--- a/src/Document/Intro to Programming with C#-Lesson1.pptx
+++ b/src/Document/Intro to Programming with C#-Lesson1.pptx
@@ -598,7 +598,7 @@
           <a:p>
             <a:fld id="{EA0C0817-A112-4847-8014-A94B7D2A4EA3}" type="datetime1">
               <a:rPr lang="en-US" smtClean="0"/>
-              <a:t>1/6/2021</a:t>
+              <a:t>1/12/2021</a:t>
             </a:fld>
             <a:endParaRPr lang="en-US" dirty="0"/>
           </a:p>
@@ -800,7 +800,7 @@
           <a:p>
             <a:fld id="{7332B432-ACDA-4023-A761-2BAB76577B62}" type="datetime1">
               <a:rPr lang="en-US" smtClean="0"/>
-              <a:t>1/6/2021</a:t>
+              <a:t>1/12/2021</a:t>
             </a:fld>
             <a:endParaRPr lang="en-US" dirty="0"/>
           </a:p>
@@ -1399,7 +1399,7 @@
           <a:p>
             <a:fld id="{D9C646AA-F36E-4540-911D-FFFC0A0EF24A}" type="datetime1">
               <a:rPr lang="en-US" smtClean="0"/>
-              <a:t>1/6/2021</a:t>
+              <a:t>1/12/2021</a:t>
             </a:fld>
             <a:endParaRPr lang="en-US" dirty="0"/>
           </a:p>
@@ -1719,7 +1719,7 @@
           <a:p>
             <a:fld id="{69186D26-FA5F-4637-B602-B7C2DC34CFD4}" type="datetime1">
               <a:rPr lang="en-US" smtClean="0"/>
-              <a:t>1/6/2021</a:t>
+              <a:t>1/12/2021</a:t>
             </a:fld>
             <a:endParaRPr lang="en-US" dirty="0"/>
           </a:p>
@@ -2156,7 +2156,7 @@
           <a:p>
             <a:fld id="{8A7F15D8-96D1-4781-BC50-CA8A088B2FE4}" type="datetime1">
               <a:rPr lang="en-US" smtClean="0"/>
-              <a:t>1/6/2021</a:t>
+              <a:t>1/12/2021</a:t>
             </a:fld>
             <a:endParaRPr lang="en-US" dirty="0"/>
           </a:p>
@@ -2274,7 +2274,7 @@
           <a:p>
             <a:fld id="{F9A96C99-B8F8-4528-BD05-0E16E943DC09}" type="datetime1">
               <a:rPr lang="en-US" smtClean="0"/>
-              <a:t>1/6/2021</a:t>
+              <a:t>1/12/2021</a:t>
             </a:fld>
             <a:endParaRPr lang="en-US" dirty="0"/>
           </a:p>
@@ -2369,7 +2369,7 @@
           <a:p>
             <a:fld id="{03636942-C211-4B28-8DBD-C953E00AF71B}" type="datetime1">
               <a:rPr lang="en-US" smtClean="0"/>
-              <a:t>1/6/2021</a:t>
+              <a:t>1/12/2021</a:t>
             </a:fld>
             <a:endParaRPr lang="en-US" dirty="0"/>
           </a:p>
@@ -2786,7 +2786,7 @@
           <a:p>
             <a:fld id="{7E8D12A6-918A-48BD-8CB9-CA713993B0EA}" type="datetime1">
               <a:rPr lang="en-US" smtClean="0"/>
-              <a:t>1/6/2021</a:t>
+              <a:t>1/12/2021</a:t>
             </a:fld>
             <a:endParaRPr lang="en-US" dirty="0"/>
           </a:p>
@@ -3048,7 +3048,7 @@
             <a:fld id="{E778CE86-875F-4587-BCF6-FA054AFC0D53}" type="datetime1">
               <a:rPr lang="en-US" smtClean="0"/>
               <a:pPr/>
-              <a:t>1/6/2021</a:t>
+              <a:t>1/12/2021</a:t>
             </a:fld>
             <a:endParaRPr lang="en-US" dirty="0"/>
           </a:p>
@@ -3564,7 +3564,7 @@
           <a:p>
             <a:fld id="{F6FA2B21-3FCD-4721-B95C-427943F61125}" type="datetime1">
               <a:rPr lang="en-US" smtClean="0"/>
-              <a:t>1/6/2021</a:t>
+              <a:t>1/12/2021</a:t>
             </a:fld>
             <a:endParaRPr lang="en-US" dirty="0"/>
           </a:p>
@@ -6103,6 +6103,17 @@
               <a:buChar char="•"/>
             </a:pPr>
             <a:r>
+              <a:rPr lang="en-US" sz="2500" b="0" i="0">
+                <a:solidFill>
+                  <a:srgbClr val="000000"/>
+                </a:solidFill>
+                <a:effectLst/>
+                <a:latin typeface="Times New Roman" panose="02020603050405020304" pitchFamily="18" charset="0"/>
+                <a:cs typeface="Times New Roman" panose="02020603050405020304" pitchFamily="18" charset="0"/>
+              </a:rPr>
+              <a:t>Type </a:t>
+            </a:r>
+            <a:r>
               <a:rPr lang="en-US" sz="2500" b="0" i="0" dirty="0">
                 <a:solidFill>
                   <a:srgbClr val="000000"/>
@@ -6111,24 +6122,7 @@
                 <a:latin typeface="Times New Roman" panose="02020603050405020304" pitchFamily="18" charset="0"/>
                 <a:cs typeface="Times New Roman" panose="02020603050405020304" pitchFamily="18" charset="0"/>
               </a:rPr>
-              <a:t>Not very steep learning curve</a:t>
-            </a:r>
-          </a:p>
-          <a:p>
-            <a:pPr marL="742950" lvl="1" indent="-285750" algn="l" fontAlgn="base">
-              <a:buFont typeface="Arial" panose="020B0604020202020204" pitchFamily="34" charset="0"/>
-              <a:buChar char="•"/>
-            </a:pPr>
-            <a:r>
-              <a:rPr lang="en-US" sz="2500" b="0" i="0" dirty="0">
-                <a:solidFill>
-                  <a:srgbClr val="000000"/>
-                </a:solidFill>
-                <a:effectLst/>
-                <a:latin typeface="Times New Roman" panose="02020603050405020304" pitchFamily="18" charset="0"/>
-                <a:cs typeface="Times New Roman" panose="02020603050405020304" pitchFamily="18" charset="0"/>
-              </a:rPr>
-              <a:t>Type safe</a:t>
+              <a:t>safe</a:t>
             </a:r>
           </a:p>
           <a:p>
@@ -6756,7 +6750,29 @@
                 <a:latin typeface="Times New Roman" panose="02020603050405020304" pitchFamily="18" charset="0"/>
                 <a:cs typeface="Times New Roman" panose="02020603050405020304" pitchFamily="18" charset="0"/>
               </a:rPr>
-              <a:t>Languages – C#, F#, and Visual Basic</a:t>
+              <a:t>Languages – </a:t>
+            </a:r>
+            <a:r>
+              <a:rPr lang="en-US" sz="2300" b="0" i="0">
+                <a:solidFill>
+                  <a:srgbClr val="212121"/>
+                </a:solidFill>
+                <a:effectLst/>
+                <a:latin typeface="Times New Roman" panose="02020603050405020304" pitchFamily="18" charset="0"/>
+                <a:cs typeface="Times New Roman" panose="02020603050405020304" pitchFamily="18" charset="0"/>
+              </a:rPr>
+              <a:t>C#, F#, </a:t>
+            </a:r>
+            <a:r>
+              <a:rPr lang="en-US" sz="2300" b="0" i="0" dirty="0">
+                <a:solidFill>
+                  <a:srgbClr val="212121"/>
+                </a:solidFill>
+                <a:effectLst/>
+                <a:latin typeface="Times New Roman" panose="02020603050405020304" pitchFamily="18" charset="0"/>
+                <a:cs typeface="Times New Roman" panose="02020603050405020304" pitchFamily="18" charset="0"/>
+              </a:rPr>
+              <a:t>and Visual Basic</a:t>
             </a:r>
           </a:p>
           <a:p>
@@ -7195,21 +7211,21 @@
 </file>
 
 <file path=customXml/item1.xml><?xml version="1.0" encoding="utf-8"?>
+<?mso-contentType ?>
+<FormTemplates xmlns="http://schemas.microsoft.com/sharepoint/v3/contenttype/forms">
+  <Display>DocumentLibraryForm</Display>
+  <Edit>DocumentLibraryForm</Edit>
+  <New>DocumentLibraryForm</New>
+</FormTemplates>
+</file>
+
+<file path=customXml/item2.xml><?xml version="1.0" encoding="utf-8"?>
 <p:properties xmlns:p="http://schemas.microsoft.com/office/2006/metadata/properties" xmlns:xsi="http://www.w3.org/2001/XMLSchema-instance" xmlns:pc="http://schemas.microsoft.com/office/infopath/2007/PartnerControls">
   <documentManagement>
     <Status xmlns="71af3243-3dd4-4a8d-8c0d-dd76da1f02a5">Not started</Status>
     <MediaServiceKeyPoints xmlns="71af3243-3dd4-4a8d-8c0d-dd76da1f02a5" xsi:nil="true"/>
   </documentManagement>
 </p:properties>
-</file>
-
-<file path=customXml/item2.xml><?xml version="1.0" encoding="utf-8"?>
-<?mso-contentType ?>
-<FormTemplates xmlns="http://schemas.microsoft.com/sharepoint/v3/contenttype/forms">
-  <Display>DocumentLibraryForm</Display>
-  <Edit>DocumentLibraryForm</Edit>
-  <New>DocumentLibraryForm</New>
-</FormTemplates>
 </file>
 
 <file path=customXml/item3.xml><?xml version="1.0" encoding="utf-8"?>
@@ -7434,19 +7450,19 @@
 </file>
 
 <file path=customXml/itemProps1.xml><?xml version="1.0" encoding="utf-8"?>
+<ds:datastoreItem xmlns:ds="http://schemas.openxmlformats.org/officeDocument/2006/customXml" ds:itemID="{CDB58277-F8DF-46FF-84EC-EF41B835E69F}">
+  <ds:schemaRefs>
+    <ds:schemaRef ds:uri="http://schemas.microsoft.com/sharepoint/v3/contenttype/forms"/>
+  </ds:schemaRefs>
+</ds:datastoreItem>
+</file>
+
+<file path=customXml/itemProps2.xml><?xml version="1.0" encoding="utf-8"?>
 <ds:datastoreItem xmlns:ds="http://schemas.openxmlformats.org/officeDocument/2006/customXml" ds:itemID="{137651BA-F45C-4845-9AB3-E0A65B39F5E1}">
   <ds:schemaRefs>
     <ds:schemaRef ds:uri="http://schemas.microsoft.com/office/2006/metadata/properties"/>
     <ds:schemaRef ds:uri="http://schemas.microsoft.com/office/infopath/2007/PartnerControls"/>
     <ds:schemaRef ds:uri="71af3243-3dd4-4a8d-8c0d-dd76da1f02a5"/>
-  </ds:schemaRefs>
-</ds:datastoreItem>
-</file>
-
-<file path=customXml/itemProps2.xml><?xml version="1.0" encoding="utf-8"?>
-<ds:datastoreItem xmlns:ds="http://schemas.openxmlformats.org/officeDocument/2006/customXml" ds:itemID="{CDB58277-F8DF-46FF-84EC-EF41B835E69F}">
-  <ds:schemaRefs>
-    <ds:schemaRef ds:uri="http://schemas.microsoft.com/sharepoint/v3/contenttype/forms"/>
   </ds:schemaRefs>
 </ds:datastoreItem>
 </file>
